--- a/2AHELS-Karrer-Präsentation-Korrosion.pptx
+++ b/2AHELS-Karrer-Präsentation-Korrosion.pptx
@@ -900,7 +900,7 @@
           <a:p>
             <a:fld id="{4682A4E0-6424-46EC-8E18-237F3E51D3B3}" type="datetimeFigureOut">
               <a:rPr lang="de-AT" smtClean="0"/>
-              <a:t>02.03.2022</a:t>
+              <a:t>23.03.2022</a:t>
             </a:fld>
             <a:endParaRPr lang="de-AT"/>
           </a:p>
@@ -942,7 +942,7 @@
           <a:p>
             <a:fld id="{305ACC02-35EA-4047-A11C-74BEB47C6FB1}" type="slidenum">
               <a:rPr lang="de-AT" smtClean="0"/>
-              <a:t>‹Nr.›</a:t>
+              <a:t>‹#›</a:t>
             </a:fld>
             <a:endParaRPr lang="de-AT"/>
           </a:p>
@@ -1151,7 +1151,7 @@
           <a:p>
             <a:fld id="{4682A4E0-6424-46EC-8E18-237F3E51D3B3}" type="datetimeFigureOut">
               <a:rPr lang="de-AT" smtClean="0"/>
-              <a:t>02.03.2022</a:t>
+              <a:t>23.03.2022</a:t>
             </a:fld>
             <a:endParaRPr lang="de-AT"/>
           </a:p>
@@ -1193,7 +1193,7 @@
           <a:p>
             <a:fld id="{305ACC02-35EA-4047-A11C-74BEB47C6FB1}" type="slidenum">
               <a:rPr lang="de-AT" smtClean="0"/>
-              <a:t>‹Nr.›</a:t>
+              <a:t>‹#›</a:t>
             </a:fld>
             <a:endParaRPr lang="de-AT"/>
           </a:p>
@@ -1465,7 +1465,7 @@
           <a:p>
             <a:fld id="{4682A4E0-6424-46EC-8E18-237F3E51D3B3}" type="datetimeFigureOut">
               <a:rPr lang="de-AT" smtClean="0"/>
-              <a:t>02.03.2022</a:t>
+              <a:t>23.03.2022</a:t>
             </a:fld>
             <a:endParaRPr lang="de-AT"/>
           </a:p>
@@ -1507,7 +1507,7 @@
           <a:p>
             <a:fld id="{305ACC02-35EA-4047-A11C-74BEB47C6FB1}" type="slidenum">
               <a:rPr lang="de-AT" smtClean="0"/>
-              <a:t>‹Nr.›</a:t>
+              <a:t>‹#›</a:t>
             </a:fld>
             <a:endParaRPr lang="de-AT"/>
           </a:p>
@@ -1798,7 +1798,7 @@
           <a:p>
             <a:fld id="{4682A4E0-6424-46EC-8E18-237F3E51D3B3}" type="datetimeFigureOut">
               <a:rPr lang="de-AT" smtClean="0"/>
-              <a:t>02.03.2022</a:t>
+              <a:t>23.03.2022</a:t>
             </a:fld>
             <a:endParaRPr lang="de-AT"/>
           </a:p>
@@ -1840,7 +1840,7 @@
           <a:p>
             <a:fld id="{305ACC02-35EA-4047-A11C-74BEB47C6FB1}" type="slidenum">
               <a:rPr lang="de-AT" smtClean="0"/>
-              <a:t>‹Nr.›</a:t>
+              <a:t>‹#›</a:t>
             </a:fld>
             <a:endParaRPr lang="de-AT"/>
           </a:p>
@@ -2112,7 +2112,7 @@
           <a:p>
             <a:fld id="{4682A4E0-6424-46EC-8E18-237F3E51D3B3}" type="datetimeFigureOut">
               <a:rPr lang="de-AT" smtClean="0"/>
-              <a:t>02.03.2022</a:t>
+              <a:t>23.03.2022</a:t>
             </a:fld>
             <a:endParaRPr lang="de-AT"/>
           </a:p>
@@ -2154,7 +2154,7 @@
           <a:p>
             <a:fld id="{305ACC02-35EA-4047-A11C-74BEB47C6FB1}" type="slidenum">
               <a:rPr lang="de-AT" smtClean="0"/>
-              <a:t>‹Nr.›</a:t>
+              <a:t>‹#›</a:t>
             </a:fld>
             <a:endParaRPr lang="de-AT"/>
           </a:p>
@@ -2505,7 +2505,7 @@
           <a:p>
             <a:fld id="{4682A4E0-6424-46EC-8E18-237F3E51D3B3}" type="datetimeFigureOut">
               <a:rPr lang="de-AT" smtClean="0"/>
-              <a:t>02.03.2022</a:t>
+              <a:t>23.03.2022</a:t>
             </a:fld>
             <a:endParaRPr lang="de-AT"/>
           </a:p>
@@ -2547,7 +2547,7 @@
           <a:p>
             <a:fld id="{305ACC02-35EA-4047-A11C-74BEB47C6FB1}" type="slidenum">
               <a:rPr lang="de-AT" smtClean="0"/>
-              <a:t>‹Nr.›</a:t>
+              <a:t>‹#›</a:t>
             </a:fld>
             <a:endParaRPr lang="de-AT"/>
           </a:p>
@@ -2675,7 +2675,7 @@
           <a:p>
             <a:fld id="{4682A4E0-6424-46EC-8E18-237F3E51D3B3}" type="datetimeFigureOut">
               <a:rPr lang="de-AT" smtClean="0"/>
-              <a:t>02.03.2022</a:t>
+              <a:t>23.03.2022</a:t>
             </a:fld>
             <a:endParaRPr lang="de-AT"/>
           </a:p>
@@ -2717,7 +2717,7 @@
           <a:p>
             <a:fld id="{305ACC02-35EA-4047-A11C-74BEB47C6FB1}" type="slidenum">
               <a:rPr lang="de-AT" smtClean="0"/>
-              <a:t>‹Nr.›</a:t>
+              <a:t>‹#›</a:t>
             </a:fld>
             <a:endParaRPr lang="de-AT"/>
           </a:p>
@@ -2855,7 +2855,7 @@
           <a:p>
             <a:fld id="{4682A4E0-6424-46EC-8E18-237F3E51D3B3}" type="datetimeFigureOut">
               <a:rPr lang="de-AT" smtClean="0"/>
-              <a:t>02.03.2022</a:t>
+              <a:t>23.03.2022</a:t>
             </a:fld>
             <a:endParaRPr lang="de-AT"/>
           </a:p>
@@ -2897,7 +2897,7 @@
           <a:p>
             <a:fld id="{305ACC02-35EA-4047-A11C-74BEB47C6FB1}" type="slidenum">
               <a:rPr lang="de-AT" smtClean="0"/>
-              <a:t>‹Nr.›</a:t>
+              <a:t>‹#›</a:t>
             </a:fld>
             <a:endParaRPr lang="de-AT"/>
           </a:p>
@@ -3025,7 +3025,7 @@
           <a:p>
             <a:fld id="{4682A4E0-6424-46EC-8E18-237F3E51D3B3}" type="datetimeFigureOut">
               <a:rPr lang="de-AT" smtClean="0"/>
-              <a:t>02.03.2022</a:t>
+              <a:t>23.03.2022</a:t>
             </a:fld>
             <a:endParaRPr lang="de-AT"/>
           </a:p>
@@ -3067,7 +3067,7 @@
           <a:p>
             <a:fld id="{305ACC02-35EA-4047-A11C-74BEB47C6FB1}" type="slidenum">
               <a:rPr lang="de-AT" smtClean="0"/>
-              <a:t>‹Nr.›</a:t>
+              <a:t>‹#›</a:t>
             </a:fld>
             <a:endParaRPr lang="de-AT"/>
           </a:p>
@@ -3272,7 +3272,7 @@
           <a:p>
             <a:fld id="{4682A4E0-6424-46EC-8E18-237F3E51D3B3}" type="datetimeFigureOut">
               <a:rPr lang="de-AT" smtClean="0"/>
-              <a:t>02.03.2022</a:t>
+              <a:t>23.03.2022</a:t>
             </a:fld>
             <a:endParaRPr lang="de-AT"/>
           </a:p>
@@ -3314,7 +3314,7 @@
           <a:p>
             <a:fld id="{305ACC02-35EA-4047-A11C-74BEB47C6FB1}" type="slidenum">
               <a:rPr lang="de-AT" smtClean="0"/>
-              <a:t>‹Nr.›</a:t>
+              <a:t>‹#›</a:t>
             </a:fld>
             <a:endParaRPr lang="de-AT"/>
           </a:p>
@@ -3504,7 +3504,7 @@
           <a:p>
             <a:fld id="{4682A4E0-6424-46EC-8E18-237F3E51D3B3}" type="datetimeFigureOut">
               <a:rPr lang="de-AT" smtClean="0"/>
-              <a:t>02.03.2022</a:t>
+              <a:t>23.03.2022</a:t>
             </a:fld>
             <a:endParaRPr lang="de-AT"/>
           </a:p>
@@ -3546,7 +3546,7 @@
           <a:p>
             <a:fld id="{305ACC02-35EA-4047-A11C-74BEB47C6FB1}" type="slidenum">
               <a:rPr lang="de-AT" smtClean="0"/>
-              <a:t>‹Nr.›</a:t>
+              <a:t>‹#›</a:t>
             </a:fld>
             <a:endParaRPr lang="de-AT"/>
           </a:p>
@@ -3878,7 +3878,7 @@
           <a:p>
             <a:fld id="{4682A4E0-6424-46EC-8E18-237F3E51D3B3}" type="datetimeFigureOut">
               <a:rPr lang="de-AT" smtClean="0"/>
-              <a:t>02.03.2022</a:t>
+              <a:t>23.03.2022</a:t>
             </a:fld>
             <a:endParaRPr lang="de-AT"/>
           </a:p>
@@ -3920,7 +3920,7 @@
           <a:p>
             <a:fld id="{305ACC02-35EA-4047-A11C-74BEB47C6FB1}" type="slidenum">
               <a:rPr lang="de-AT" smtClean="0"/>
-              <a:t>‹Nr.›</a:t>
+              <a:t>‹#›</a:t>
             </a:fld>
             <a:endParaRPr lang="de-AT"/>
           </a:p>
@@ -4001,7 +4001,7 @@
           <a:p>
             <a:fld id="{4682A4E0-6424-46EC-8E18-237F3E51D3B3}" type="datetimeFigureOut">
               <a:rPr lang="de-AT" smtClean="0"/>
-              <a:t>02.03.2022</a:t>
+              <a:t>23.03.2022</a:t>
             </a:fld>
             <a:endParaRPr lang="de-AT"/>
           </a:p>
@@ -4043,7 +4043,7 @@
           <a:p>
             <a:fld id="{305ACC02-35EA-4047-A11C-74BEB47C6FB1}" type="slidenum">
               <a:rPr lang="de-AT" smtClean="0"/>
-              <a:t>‹Nr.›</a:t>
+              <a:t>‹#›</a:t>
             </a:fld>
             <a:endParaRPr lang="de-AT"/>
           </a:p>
@@ -4096,7 +4096,7 @@
           <a:p>
             <a:fld id="{4682A4E0-6424-46EC-8E18-237F3E51D3B3}" type="datetimeFigureOut">
               <a:rPr lang="de-AT" smtClean="0"/>
-              <a:t>02.03.2022</a:t>
+              <a:t>23.03.2022</a:t>
             </a:fld>
             <a:endParaRPr lang="de-AT"/>
           </a:p>
@@ -4138,7 +4138,7 @@
           <a:p>
             <a:fld id="{305ACC02-35EA-4047-A11C-74BEB47C6FB1}" type="slidenum">
               <a:rPr lang="de-AT" smtClean="0"/>
-              <a:t>‹Nr.›</a:t>
+              <a:t>‹#›</a:t>
             </a:fld>
             <a:endParaRPr lang="de-AT"/>
           </a:p>
@@ -4351,7 +4351,7 @@
           <a:p>
             <a:fld id="{4682A4E0-6424-46EC-8E18-237F3E51D3B3}" type="datetimeFigureOut">
               <a:rPr lang="de-AT" smtClean="0"/>
-              <a:t>02.03.2022</a:t>
+              <a:t>23.03.2022</a:t>
             </a:fld>
             <a:endParaRPr lang="de-AT"/>
           </a:p>
@@ -4393,7 +4393,7 @@
           <a:p>
             <a:fld id="{305ACC02-35EA-4047-A11C-74BEB47C6FB1}" type="slidenum">
               <a:rPr lang="de-AT" smtClean="0"/>
-              <a:t>‹Nr.›</a:t>
+              <a:t>‹#›</a:t>
             </a:fld>
             <a:endParaRPr lang="de-AT"/>
           </a:p>
@@ -4633,7 +4633,7 @@
           <a:p>
             <a:fld id="{305ACC02-35EA-4047-A11C-74BEB47C6FB1}" type="slidenum">
               <a:rPr lang="de-AT" smtClean="0"/>
-              <a:t>‹Nr.›</a:t>
+              <a:t>‹#›</a:t>
             </a:fld>
             <a:endParaRPr lang="de-AT"/>
           </a:p>
@@ -4656,7 +4656,7 @@
           <a:p>
             <a:fld id="{4682A4E0-6424-46EC-8E18-237F3E51D3B3}" type="datetimeFigureOut">
               <a:rPr lang="de-AT" smtClean="0"/>
-              <a:t>02.03.2022</a:t>
+              <a:t>23.03.2022</a:t>
             </a:fld>
             <a:endParaRPr lang="de-AT"/>
           </a:p>
@@ -5358,7 +5358,7 @@
           <a:p>
             <a:fld id="{4682A4E0-6424-46EC-8E18-237F3E51D3B3}" type="datetimeFigureOut">
               <a:rPr lang="de-AT" smtClean="0"/>
-              <a:t>02.03.2022</a:t>
+              <a:t>23.03.2022</a:t>
             </a:fld>
             <a:endParaRPr lang="de-AT"/>
           </a:p>
@@ -5434,7 +5434,7 @@
           <a:p>
             <a:fld id="{305ACC02-35EA-4047-A11C-74BEB47C6FB1}" type="slidenum">
               <a:rPr lang="de-AT" smtClean="0"/>
-              <a:t>‹Nr.›</a:t>
+              <a:t>‹#›</a:t>
             </a:fld>
             <a:endParaRPr lang="de-AT"/>
           </a:p>
@@ -6776,48 +6776,149 @@
           <a:bodyPr/>
           <a:lstStyle/>
           <a:p>
-            <a:r>
-              <a:rPr lang="de-AT" dirty="0"/>
+            <a:pPr>
+              <a:lnSpc>
+                <a:spcPct val="150000"/>
+              </a:lnSpc>
+              <a:spcAft>
+                <a:spcPts val="800"/>
+              </a:spcAft>
+            </a:pPr>
+            <a:r>
+              <a:rPr lang="de-AT" sz="1800" dirty="0">
+                <a:solidFill>
+                  <a:srgbClr val="000000"/>
+                </a:solidFill>
+                <a:effectLst/>
+                <a:latin typeface="Calibri" panose="020F0502020204030204" pitchFamily="34" charset="0"/>
+                <a:ea typeface="Calibri" panose="020F0502020204030204" pitchFamily="34" charset="0"/>
+                <a:cs typeface="Times New Roman" panose="02020603050405020304" pitchFamily="18" charset="0"/>
+              </a:rPr>
               <a:t>Kann ein Stück Eisen im Weltall rosten?</a:t>
             </a:r>
-          </a:p>
-          <a:p>
-            <a:endParaRPr lang="de-AT" dirty="0"/>
-          </a:p>
-          <a:p>
-            <a:r>
-              <a:rPr lang="de-AT" dirty="0"/>
-              <a:t>Ist es sinnvoller bei einer Fahrradkette aktiven oder passiven Korrosionsschutz einzusetzen? </a:t>
-            </a:r>
-          </a:p>
-          <a:p>
-            <a:endParaRPr lang="de-AT" dirty="0"/>
-          </a:p>
-          <a:p>
-            <a:r>
-              <a:rPr lang="de-DE" dirty="0"/>
-              <a:t>Was ist die häufigste Korrosionsart?</a:t>
-            </a:r>
-          </a:p>
-          <a:p>
-            <a:endParaRPr lang="de-AT" dirty="0"/>
-          </a:p>
-          <a:p>
-            <a:r>
-              <a:rPr lang="de-AT" dirty="0"/>
-              <a:t>Kennt jemand einen Verwendungszweck von Eisenoxid?</a:t>
-            </a:r>
-          </a:p>
-          <a:p>
-            <a:endParaRPr lang="de-AT" dirty="0"/>
-          </a:p>
-          <a:p>
-            <a:r>
-              <a:rPr lang="de-AT" dirty="0"/>
-              <a:t>Nenne die Nachteile des passiven Korrosionsschutzes.</a:t>
-            </a:r>
-          </a:p>
-          <a:p>
+            <a:endParaRPr lang="de-AT" sz="1800" dirty="0">
+              <a:effectLst/>
+              <a:latin typeface="Calibri" panose="020F0502020204030204" pitchFamily="34" charset="0"/>
+              <a:ea typeface="Calibri" panose="020F0502020204030204" pitchFamily="34" charset="0"/>
+              <a:cs typeface="Times New Roman" panose="02020603050405020304" pitchFamily="18" charset="0"/>
+            </a:endParaRPr>
+          </a:p>
+          <a:p>
+            <a:pPr>
+              <a:lnSpc>
+                <a:spcPct val="150000"/>
+              </a:lnSpc>
+              <a:spcAft>
+                <a:spcPts val="800"/>
+              </a:spcAft>
+            </a:pPr>
+            <a:r>
+              <a:rPr lang="de-AT" sz="1800" dirty="0">
+                <a:solidFill>
+                  <a:srgbClr val="000000"/>
+                </a:solidFill>
+                <a:effectLst/>
+                <a:latin typeface="Calibri" panose="020F0502020204030204" pitchFamily="34" charset="0"/>
+                <a:ea typeface="Calibri" panose="020F0502020204030204" pitchFamily="34" charset="0"/>
+                <a:cs typeface="Times New Roman" panose="02020603050405020304" pitchFamily="18" charset="0"/>
+              </a:rPr>
+              <a:t>Wird bei einer Fahrradkette aktiver oder passiver Schutz eingesetzt? </a:t>
+            </a:r>
+            <a:endParaRPr lang="de-AT" sz="1800" dirty="0">
+              <a:effectLst/>
+              <a:latin typeface="Calibri" panose="020F0502020204030204" pitchFamily="34" charset="0"/>
+              <a:ea typeface="Calibri" panose="020F0502020204030204" pitchFamily="34" charset="0"/>
+              <a:cs typeface="Times New Roman" panose="02020603050405020304" pitchFamily="18" charset="0"/>
+            </a:endParaRPr>
+          </a:p>
+          <a:p>
+            <a:pPr>
+              <a:lnSpc>
+                <a:spcPct val="150000"/>
+              </a:lnSpc>
+              <a:spcAft>
+                <a:spcPts val="800"/>
+              </a:spcAft>
+            </a:pPr>
+            <a:r>
+              <a:rPr lang="de-DE" sz="1800" dirty="0">
+                <a:solidFill>
+                  <a:srgbClr val="000000"/>
+                </a:solidFill>
+                <a:effectLst/>
+                <a:latin typeface="Calibri" panose="020F0502020204030204" pitchFamily="34" charset="0"/>
+                <a:ea typeface="Calibri" panose="020F0502020204030204" pitchFamily="34" charset="0"/>
+                <a:cs typeface="Times New Roman" panose="02020603050405020304" pitchFamily="18" charset="0"/>
+              </a:rPr>
+              <a:t>Welche ist die häufigste Korrosionsart?</a:t>
+            </a:r>
+            <a:endParaRPr lang="de-AT" sz="1800" dirty="0">
+              <a:effectLst/>
+              <a:latin typeface="Calibri" panose="020F0502020204030204" pitchFamily="34" charset="0"/>
+              <a:ea typeface="Calibri" panose="020F0502020204030204" pitchFamily="34" charset="0"/>
+              <a:cs typeface="Times New Roman" panose="02020603050405020304" pitchFamily="18" charset="0"/>
+            </a:endParaRPr>
+          </a:p>
+          <a:p>
+            <a:pPr>
+              <a:lnSpc>
+                <a:spcPct val="150000"/>
+              </a:lnSpc>
+              <a:spcAft>
+                <a:spcPts val="800"/>
+              </a:spcAft>
+            </a:pPr>
+            <a:r>
+              <a:rPr lang="de-AT" sz="1800" dirty="0">
+                <a:solidFill>
+                  <a:srgbClr val="000000"/>
+                </a:solidFill>
+                <a:effectLst/>
+                <a:latin typeface="Calibri" panose="020F0502020204030204" pitchFamily="34" charset="0"/>
+                <a:ea typeface="Calibri" panose="020F0502020204030204" pitchFamily="34" charset="0"/>
+                <a:cs typeface="Times New Roman" panose="02020603050405020304" pitchFamily="18" charset="0"/>
+              </a:rPr>
+              <a:t>Wo ist man im Alltag häufig mit Korrosion konfrontiert?</a:t>
+            </a:r>
+            <a:endParaRPr lang="de-AT" sz="1800" dirty="0">
+              <a:effectLst/>
+              <a:latin typeface="Calibri" panose="020F0502020204030204" pitchFamily="34" charset="0"/>
+              <a:ea typeface="Calibri" panose="020F0502020204030204" pitchFamily="34" charset="0"/>
+              <a:cs typeface="Times New Roman" panose="02020603050405020304" pitchFamily="18" charset="0"/>
+            </a:endParaRPr>
+          </a:p>
+          <a:p>
+            <a:pPr>
+              <a:lnSpc>
+                <a:spcPct val="150000"/>
+              </a:lnSpc>
+              <a:spcAft>
+                <a:spcPts val="800"/>
+              </a:spcAft>
+            </a:pPr>
+            <a:r>
+              <a:rPr lang="de-AT" sz="1800" dirty="0">
+                <a:solidFill>
+                  <a:srgbClr val="000000"/>
+                </a:solidFill>
+                <a:effectLst/>
+                <a:latin typeface="Calibri" panose="020F0502020204030204" pitchFamily="34" charset="0"/>
+                <a:ea typeface="Calibri" panose="020F0502020204030204" pitchFamily="34" charset="0"/>
+                <a:cs typeface="Times New Roman" panose="02020603050405020304" pitchFamily="18" charset="0"/>
+              </a:rPr>
+              <a:t>Nenne einen Nachteil des passiven Korrosionsschutzes.</a:t>
+            </a:r>
+            <a:endParaRPr lang="de-AT" sz="1800" dirty="0">
+              <a:effectLst/>
+              <a:latin typeface="Calibri" panose="020F0502020204030204" pitchFamily="34" charset="0"/>
+              <a:ea typeface="Calibri" panose="020F0502020204030204" pitchFamily="34" charset="0"/>
+              <a:cs typeface="Times New Roman" panose="02020603050405020304" pitchFamily="18" charset="0"/>
+            </a:endParaRPr>
+          </a:p>
+          <a:p>
+            <a:pPr marL="0" indent="0">
+              <a:buNone/>
+            </a:pPr>
             <a:endParaRPr lang="de-AT" dirty="0"/>
           </a:p>
           <a:p>
